--- a/powerpoints/carbon_allocation_turnover_and_mortality.pptx
+++ b/powerpoints/carbon_allocation_turnover_and_mortality.pptx
@@ -116,6 +116,11 @@
       </a:defRPr>
     </a:lvl9pPr>
   </p:defaultTextStyle>
+  <p:extLst>
+    <p:ext uri="{EFAFB233-063F-42B5-8137-9DF3F51BA10A}">
+      <p15:sldGuideLst xmlns:p15="http://schemas.microsoft.com/office/powerpoint/2012/main"/>
+    </p:ext>
+  </p:extLst>
 </p:presentation>
 </file>
 
@@ -201,7 +206,7 @@
           <a:p>
             <a:fld id="{5862E500-A585-B347-8D96-A677682DD293}" type="datetimeFigureOut">
               <a:rPr lang="en-US" smtClean="0"/>
-              <a:t>3/18/21</a:t>
+              <a:t>3/25/21</a:t>
             </a:fld>
             <a:endParaRPr lang="en-US"/>
           </a:p>
@@ -599,7 +604,7 @@
           <a:p>
             <a:fld id="{88050E8D-26F1-1643-BECE-1DD7ECE76663}" type="datetimeFigureOut">
               <a:rPr lang="en-US" smtClean="0"/>
-              <a:t>3/18/21</a:t>
+              <a:t>3/25/21</a:t>
             </a:fld>
             <a:endParaRPr lang="en-US"/>
           </a:p>
@@ -769,7 +774,7 @@
           <a:p>
             <a:fld id="{88050E8D-26F1-1643-BECE-1DD7ECE76663}" type="datetimeFigureOut">
               <a:rPr lang="en-US" smtClean="0"/>
-              <a:t>3/18/21</a:t>
+              <a:t>3/25/21</a:t>
             </a:fld>
             <a:endParaRPr lang="en-US"/>
           </a:p>
@@ -949,7 +954,7 @@
           <a:p>
             <a:fld id="{88050E8D-26F1-1643-BECE-1DD7ECE76663}" type="datetimeFigureOut">
               <a:rPr lang="en-US" smtClean="0"/>
-              <a:t>3/18/21</a:t>
+              <a:t>3/25/21</a:t>
             </a:fld>
             <a:endParaRPr lang="en-US"/>
           </a:p>
@@ -1119,7 +1124,7 @@
           <a:p>
             <a:fld id="{88050E8D-26F1-1643-BECE-1DD7ECE76663}" type="datetimeFigureOut">
               <a:rPr lang="en-US" smtClean="0"/>
-              <a:t>3/18/21</a:t>
+              <a:t>3/25/21</a:t>
             </a:fld>
             <a:endParaRPr lang="en-US"/>
           </a:p>
@@ -1363,7 +1368,7 @@
           <a:p>
             <a:fld id="{88050E8D-26F1-1643-BECE-1DD7ECE76663}" type="datetimeFigureOut">
               <a:rPr lang="en-US" smtClean="0"/>
-              <a:t>3/18/21</a:t>
+              <a:t>3/25/21</a:t>
             </a:fld>
             <a:endParaRPr lang="en-US"/>
           </a:p>
@@ -1595,7 +1600,7 @@
           <a:p>
             <a:fld id="{88050E8D-26F1-1643-BECE-1DD7ECE76663}" type="datetimeFigureOut">
               <a:rPr lang="en-US" smtClean="0"/>
-              <a:t>3/18/21</a:t>
+              <a:t>3/25/21</a:t>
             </a:fld>
             <a:endParaRPr lang="en-US"/>
           </a:p>
@@ -1962,7 +1967,7 @@
           <a:p>
             <a:fld id="{88050E8D-26F1-1643-BECE-1DD7ECE76663}" type="datetimeFigureOut">
               <a:rPr lang="en-US" smtClean="0"/>
-              <a:t>3/18/21</a:t>
+              <a:t>3/25/21</a:t>
             </a:fld>
             <a:endParaRPr lang="en-US"/>
           </a:p>
@@ -2080,7 +2085,7 @@
           <a:p>
             <a:fld id="{88050E8D-26F1-1643-BECE-1DD7ECE76663}" type="datetimeFigureOut">
               <a:rPr lang="en-US" smtClean="0"/>
-              <a:t>3/18/21</a:t>
+              <a:t>3/25/21</a:t>
             </a:fld>
             <a:endParaRPr lang="en-US"/>
           </a:p>
@@ -2175,7 +2180,7 @@
           <a:p>
             <a:fld id="{88050E8D-26F1-1643-BECE-1DD7ECE76663}" type="datetimeFigureOut">
               <a:rPr lang="en-US" smtClean="0"/>
-              <a:t>3/18/21</a:t>
+              <a:t>3/25/21</a:t>
             </a:fld>
             <a:endParaRPr lang="en-US"/>
           </a:p>
@@ -2452,7 +2457,7 @@
           <a:p>
             <a:fld id="{88050E8D-26F1-1643-BECE-1DD7ECE76663}" type="datetimeFigureOut">
               <a:rPr lang="en-US" smtClean="0"/>
-              <a:t>3/18/21</a:t>
+              <a:t>3/25/21</a:t>
             </a:fld>
             <a:endParaRPr lang="en-US"/>
           </a:p>
@@ -2709,7 +2714,7 @@
           <a:p>
             <a:fld id="{88050E8D-26F1-1643-BECE-1DD7ECE76663}" type="datetimeFigureOut">
               <a:rPr lang="en-US" smtClean="0"/>
-              <a:t>3/18/21</a:t>
+              <a:t>3/25/21</a:t>
             </a:fld>
             <a:endParaRPr lang="en-US"/>
           </a:p>
@@ -2922,7 +2927,7 @@
           <a:p>
             <a:fld id="{88050E8D-26F1-1643-BECE-1DD7ECE76663}" type="datetimeFigureOut">
               <a:rPr lang="en-US" smtClean="0"/>
-              <a:t>3/18/21</a:t>
+              <a:t>3/25/21</a:t>
             </a:fld>
             <a:endParaRPr lang="en-US"/>
           </a:p>
@@ -6775,7 +6780,9 @@
         </p:nvSpPr>
         <p:spPr/>
         <p:txBody>
-          <a:bodyPr/>
+          <a:bodyPr>
+            <a:normAutofit fontScale="85000" lnSpcReduction="20000"/>
+          </a:bodyPr>
           <a:lstStyle/>
           <a:p>
             <a:pPr marL="0" indent="0">
@@ -6789,16 +6796,37 @@
           <a:p>
             <a:r>
               <a:rPr lang="en-US" dirty="0" err="1"/>
-              <a:t>Epc.max_storage_fraction</a:t>
+              <a:t>Epc.storage_transfer_prop</a:t>
             </a:r>
             <a:endParaRPr lang="en-US" dirty="0"/>
           </a:p>
           <a:p>
+            <a:pPr lvl="1"/>
+            <a:r>
+              <a:rPr lang="en-US" dirty="0"/>
+              <a:t>percent of storage allocated in a given year</a:t>
+            </a:r>
+          </a:p>
+          <a:p>
             <a:r>
               <a:rPr lang="en-US" dirty="0" err="1"/>
-              <a:t>Epc.min_percent_leafg</a:t>
+              <a:t>Epc.max_storage_percent</a:t>
             </a:r>
             <a:endParaRPr lang="en-US" dirty="0"/>
+          </a:p>
+          <a:p>
+            <a:r>
+              <a:rPr lang="en-US" dirty="0" err="1"/>
+              <a:t>Epc.cpool_mort_fract</a:t>
+            </a:r>
+            <a:endParaRPr lang="en-US" dirty="0"/>
+          </a:p>
+          <a:p>
+            <a:pPr lvl="1"/>
+            <a:r>
+              <a:rPr lang="en-US" dirty="0"/>
+              <a:t>net carbohydrate store proportion of total biomass below which mortality occurs</a:t>
+            </a:r>
           </a:p>
           <a:p>
             <a:r>
@@ -6808,13 +6836,20 @@
             <a:endParaRPr lang="en-US" dirty="0"/>
           </a:p>
           <a:p>
+            <a:pPr lvl="1"/>
             <a:r>
               <a:rPr lang="en-US" dirty="0" err="1"/>
-              <a:t>Epc.cpool_mort_fract</a:t>
-            </a:r>
-            <a:endParaRPr lang="en-US" dirty="0"/>
-          </a:p>
-          <a:p>
+              <a:t>kgC</a:t>
+            </a:r>
+            <a:r>
+              <a:rPr lang="en-US" dirty="0"/>
+              <a:t> minimum leaf carbon before death</a:t>
+            </a:r>
+          </a:p>
+          <a:p>
+            <a:pPr marL="0" indent="0">
+              <a:buNone/>
+            </a:pPr>
             <a:endParaRPr lang="en-US" dirty="0"/>
           </a:p>
           <a:p>
